--- a/HC_DB_Analyses/HC_DB_EIMetrics/EIBalanceDistributionsHCOnly.pptx
+++ b/HC_DB_Analyses/HC_DB_EIMetrics/EIBalanceDistributionsHCOnly.pptx
@@ -10,7 +10,7 @@
   <p:sldIdLst>
     <p:sldId id="256" r:id="rId2"/>
   </p:sldIdLst>
-  <p:sldSz cx="14400213" cy="5759450"/>
+  <p:sldSz cx="14400213" cy="10439400"/>
   <p:notesSz cx="6858000" cy="9144000"/>
   <p:defaultTextStyle>
     <a:defPPr>
@@ -110,7 +110,7 @@
   <p:extLst>
     <p:ext uri="{EFAFB233-063F-42B5-8137-9DF3F51BA10A}">
       <p15:sldGuideLst xmlns:p15="http://schemas.microsoft.com/office/powerpoint/2012/main">
-        <p15:guide id="1" orient="horz" pos="1814" userDrawn="1">
+        <p15:guide id="1" orient="horz" pos="3288" userDrawn="1">
           <p15:clr>
             <a:srgbClr val="A4A3A4"/>
           </p15:clr>
@@ -208,7 +208,7 @@
           <a:p>
             <a:fld id="{767DAEA1-967D-4ACD-89D4-B5AB51550092}" type="datetimeFigureOut">
               <a:rPr lang="en-US" smtClean="0"/>
-              <a:t>10/21/17</a:t>
+              <a:t>5/12/18</a:t>
             </a:fld>
             <a:endParaRPr lang="en-US"/>
           </a:p>
@@ -226,8 +226,8 @@
         </p:nvSpPr>
         <p:spPr>
           <a:xfrm>
-            <a:off x="-857250" y="685800"/>
-            <a:ext cx="8572500" cy="3429000"/>
+            <a:off x="1063625" y="685800"/>
+            <a:ext cx="4730750" cy="3429000"/>
           </a:xfrm>
           <a:prstGeom prst="rect">
             <a:avLst/>
@@ -505,8 +505,8 @@
         </p:nvSpPr>
         <p:spPr>
           <a:xfrm>
-            <a:off x="-857250" y="685800"/>
-            <a:ext cx="8572500" cy="3429000"/>
+            <a:off x="1063625" y="685800"/>
+            <a:ext cx="4730750" cy="3429000"/>
           </a:xfrm>
         </p:spPr>
       </p:sp>
@@ -594,8 +594,8 @@
         </p:nvSpPr>
         <p:spPr>
           <a:xfrm>
-            <a:off x="1080017" y="1789164"/>
-            <a:ext cx="12240181" cy="1234549"/>
+            <a:off x="1080017" y="3242984"/>
+            <a:ext cx="12240181" cy="2237705"/>
           </a:xfrm>
         </p:spPr>
         <p:txBody>
@@ -622,8 +622,8 @@
         </p:nvSpPr>
         <p:spPr>
           <a:xfrm>
-            <a:off x="2160033" y="3263689"/>
-            <a:ext cx="10080149" cy="1471859"/>
+            <a:off x="2160033" y="5915662"/>
+            <a:ext cx="10080149" cy="2667846"/>
           </a:xfrm>
         </p:spPr>
         <p:txBody>
@@ -746,7 +746,7 @@
           <a:p>
             <a:fld id="{07CFCC3F-9C50-4357-A512-F047B52B42A6}" type="datetimeFigureOut">
               <a:rPr lang="en-US" smtClean="0"/>
-              <a:t>10/21/17</a:t>
+              <a:t>5/12/18</a:t>
             </a:fld>
             <a:endParaRPr lang="en-US"/>
           </a:p>
@@ -916,7 +916,7 @@
           <a:p>
             <a:fld id="{07CFCC3F-9C50-4357-A512-F047B52B42A6}" type="datetimeFigureOut">
               <a:rPr lang="en-US" smtClean="0"/>
-              <a:t>10/21/17</a:t>
+              <a:t>5/12/18</a:t>
             </a:fld>
             <a:endParaRPr lang="en-US"/>
           </a:p>
@@ -1006,8 +1006,8 @@
         </p:nvSpPr>
         <p:spPr>
           <a:xfrm>
-            <a:off x="32887992" y="483956"/>
-            <a:ext cx="10205151" cy="10320347"/>
+            <a:off x="32887994" y="877204"/>
+            <a:ext cx="10205151" cy="18706340"/>
           </a:xfrm>
         </p:spPr>
         <p:txBody>
@@ -1034,8 +1034,8 @@
         </p:nvSpPr>
         <p:spPr>
           <a:xfrm>
-            <a:off x="2267538" y="483956"/>
-            <a:ext cx="30380449" cy="10320347"/>
+            <a:off x="2267540" y="877204"/>
+            <a:ext cx="30380449" cy="18706340"/>
           </a:xfrm>
         </p:spPr>
         <p:txBody>
@@ -1096,7 +1096,7 @@
           <a:p>
             <a:fld id="{07CFCC3F-9C50-4357-A512-F047B52B42A6}" type="datetimeFigureOut">
               <a:rPr lang="en-US" smtClean="0"/>
-              <a:t>10/21/17</a:t>
+              <a:t>5/12/18</a:t>
             </a:fld>
             <a:endParaRPr lang="en-US"/>
           </a:p>
@@ -1266,7 +1266,7 @@
           <a:p>
             <a:fld id="{07CFCC3F-9C50-4357-A512-F047B52B42A6}" type="datetimeFigureOut">
               <a:rPr lang="en-US" smtClean="0"/>
-              <a:t>10/21/17</a:t>
+              <a:t>5/12/18</a:t>
             </a:fld>
             <a:endParaRPr lang="en-US"/>
           </a:p>
@@ -1356,8 +1356,8 @@
         </p:nvSpPr>
         <p:spPr>
           <a:xfrm>
-            <a:off x="1137519" y="3700981"/>
-            <a:ext cx="12240181" cy="1143891"/>
+            <a:off x="1137521" y="6708285"/>
+            <a:ext cx="12240181" cy="2073382"/>
           </a:xfrm>
         </p:spPr>
         <p:txBody>
@@ -1388,8 +1388,8 @@
         </p:nvSpPr>
         <p:spPr>
           <a:xfrm>
-            <a:off x="1137519" y="2441103"/>
-            <a:ext cx="12240181" cy="1259879"/>
+            <a:off x="1137521" y="4424668"/>
+            <a:ext cx="12240181" cy="2283618"/>
           </a:xfrm>
         </p:spPr>
         <p:txBody>
@@ -1512,7 +1512,7 @@
           <a:p>
             <a:fld id="{07CFCC3F-9C50-4357-A512-F047B52B42A6}" type="datetimeFigureOut">
               <a:rPr lang="en-US" smtClean="0"/>
-              <a:t>10/21/17</a:t>
+              <a:t>5/12/18</a:t>
             </a:fld>
             <a:endParaRPr lang="en-US"/>
           </a:p>
@@ -1625,8 +1625,8 @@
         </p:nvSpPr>
         <p:spPr>
           <a:xfrm>
-            <a:off x="2267535" y="2822398"/>
-            <a:ext cx="20292800" cy="7981904"/>
+            <a:off x="2267535" y="5115790"/>
+            <a:ext cx="20292800" cy="14467751"/>
           </a:xfrm>
         </p:spPr>
         <p:txBody>
@@ -1710,8 +1710,8 @@
         </p:nvSpPr>
         <p:spPr>
           <a:xfrm>
-            <a:off x="22800339" y="2822398"/>
-            <a:ext cx="20292801" cy="7981904"/>
+            <a:off x="22800341" y="5115790"/>
+            <a:ext cx="20292801" cy="14467751"/>
           </a:xfrm>
         </p:spPr>
         <p:txBody>
@@ -1800,7 +1800,7 @@
           <a:p>
             <a:fld id="{07CFCC3F-9C50-4357-A512-F047B52B42A6}" type="datetimeFigureOut">
               <a:rPr lang="en-US" smtClean="0"/>
-              <a:t>10/21/17</a:t>
+              <a:t>5/12/18</a:t>
             </a:fld>
             <a:endParaRPr lang="en-US"/>
           </a:p>
@@ -1890,8 +1890,8 @@
         </p:nvSpPr>
         <p:spPr>
           <a:xfrm>
-            <a:off x="720011" y="230646"/>
-            <a:ext cx="12960192" cy="959908"/>
+            <a:off x="720011" y="418062"/>
+            <a:ext cx="12960192" cy="1739900"/>
           </a:xfrm>
         </p:spPr>
         <p:txBody>
@@ -1922,8 +1922,8 @@
         </p:nvSpPr>
         <p:spPr>
           <a:xfrm>
-            <a:off x="720012" y="1289211"/>
-            <a:ext cx="6362595" cy="537281"/>
+            <a:off x="720012" y="2336784"/>
+            <a:ext cx="6362595" cy="973859"/>
           </a:xfrm>
         </p:spPr>
         <p:txBody>
@@ -1987,8 +1987,8 @@
         </p:nvSpPr>
         <p:spPr>
           <a:xfrm>
-            <a:off x="720012" y="1826492"/>
-            <a:ext cx="6362595" cy="3318351"/>
+            <a:off x="720012" y="3310644"/>
+            <a:ext cx="6362595" cy="6014740"/>
           </a:xfrm>
         </p:spPr>
         <p:txBody>
@@ -2072,8 +2072,8 @@
         </p:nvSpPr>
         <p:spPr>
           <a:xfrm>
-            <a:off x="7315112" y="1289211"/>
-            <a:ext cx="6365094" cy="537281"/>
+            <a:off x="7315112" y="2336784"/>
+            <a:ext cx="6365094" cy="973859"/>
           </a:xfrm>
         </p:spPr>
         <p:txBody>
@@ -2137,8 +2137,8 @@
         </p:nvSpPr>
         <p:spPr>
           <a:xfrm>
-            <a:off x="7315112" y="1826492"/>
-            <a:ext cx="6365094" cy="3318351"/>
+            <a:off x="7315112" y="3310644"/>
+            <a:ext cx="6365094" cy="6014740"/>
           </a:xfrm>
         </p:spPr>
         <p:txBody>
@@ -2227,7 +2227,7 @@
           <a:p>
             <a:fld id="{07CFCC3F-9C50-4357-A512-F047B52B42A6}" type="datetimeFigureOut">
               <a:rPr lang="en-US" smtClean="0"/>
-              <a:t>10/21/17</a:t>
+              <a:t>5/12/18</a:t>
             </a:fld>
             <a:endParaRPr lang="en-US"/>
           </a:p>
@@ -2345,7 +2345,7 @@
           <a:p>
             <a:fld id="{07CFCC3F-9C50-4357-A512-F047B52B42A6}" type="datetimeFigureOut">
               <a:rPr lang="en-US" smtClean="0"/>
-              <a:t>10/21/17</a:t>
+              <a:t>5/12/18</a:t>
             </a:fld>
             <a:endParaRPr lang="en-US"/>
           </a:p>
@@ -2440,7 +2440,7 @@
           <a:p>
             <a:fld id="{07CFCC3F-9C50-4357-A512-F047B52B42A6}" type="datetimeFigureOut">
               <a:rPr lang="en-US" smtClean="0"/>
-              <a:t>10/21/17</a:t>
+              <a:t>5/12/18</a:t>
             </a:fld>
             <a:endParaRPr lang="en-US"/>
           </a:p>
@@ -2530,8 +2530,8 @@
         </p:nvSpPr>
         <p:spPr>
           <a:xfrm>
-            <a:off x="720013" y="229312"/>
-            <a:ext cx="4737571" cy="975907"/>
+            <a:off x="720015" y="415645"/>
+            <a:ext cx="4737571" cy="1768898"/>
           </a:xfrm>
         </p:spPr>
         <p:txBody>
@@ -2562,8 +2562,8 @@
         </p:nvSpPr>
         <p:spPr>
           <a:xfrm>
-            <a:off x="5630087" y="229314"/>
-            <a:ext cx="8050119" cy="4915531"/>
+            <a:off x="5630089" y="415649"/>
+            <a:ext cx="8050119" cy="8909739"/>
           </a:xfrm>
         </p:spPr>
         <p:txBody>
@@ -2647,8 +2647,8 @@
         </p:nvSpPr>
         <p:spPr>
           <a:xfrm>
-            <a:off x="720013" y="1205220"/>
-            <a:ext cx="4737571" cy="3939624"/>
+            <a:off x="720015" y="2184544"/>
+            <a:ext cx="4737571" cy="7140840"/>
           </a:xfrm>
         </p:spPr>
         <p:txBody>
@@ -2717,7 +2717,7 @@
           <a:p>
             <a:fld id="{07CFCC3F-9C50-4357-A512-F047B52B42A6}" type="datetimeFigureOut">
               <a:rPr lang="en-US" smtClean="0"/>
-              <a:t>10/21/17</a:t>
+              <a:t>5/12/18</a:t>
             </a:fld>
             <a:endParaRPr lang="en-US"/>
           </a:p>
@@ -2807,8 +2807,8 @@
         </p:nvSpPr>
         <p:spPr>
           <a:xfrm>
-            <a:off x="2822542" y="4031616"/>
-            <a:ext cx="8640128" cy="475955"/>
+            <a:off x="2822542" y="7307582"/>
+            <a:ext cx="8640128" cy="862701"/>
           </a:xfrm>
         </p:spPr>
         <p:txBody>
@@ -2839,8 +2839,8 @@
         </p:nvSpPr>
         <p:spPr>
           <a:xfrm>
-            <a:off x="2822542" y="514618"/>
-            <a:ext cx="8640128" cy="3455670"/>
+            <a:off x="2822542" y="932781"/>
+            <a:ext cx="8640128" cy="6263640"/>
           </a:xfrm>
         </p:spPr>
         <p:txBody>
@@ -2900,8 +2900,8 @@
         </p:nvSpPr>
         <p:spPr>
           <a:xfrm>
-            <a:off x="2822542" y="4507571"/>
-            <a:ext cx="8640128" cy="675935"/>
+            <a:off x="2822542" y="8170284"/>
+            <a:ext cx="8640128" cy="1225179"/>
           </a:xfrm>
         </p:spPr>
         <p:txBody>
@@ -2970,7 +2970,7 @@
           <a:p>
             <a:fld id="{07CFCC3F-9C50-4357-A512-F047B52B42A6}" type="datetimeFigureOut">
               <a:rPr lang="en-US" smtClean="0"/>
-              <a:t>10/21/17</a:t>
+              <a:t>5/12/18</a:t>
             </a:fld>
             <a:endParaRPr lang="en-US"/>
           </a:p>
@@ -3065,8 +3065,8 @@
         </p:nvSpPr>
         <p:spPr>
           <a:xfrm>
-            <a:off x="720011" y="230646"/>
-            <a:ext cx="12960192" cy="959908"/>
+            <a:off x="720011" y="418062"/>
+            <a:ext cx="12960192" cy="1739900"/>
           </a:xfrm>
           <a:prstGeom prst="rect">
             <a:avLst/>
@@ -3098,8 +3098,8 @@
         </p:nvSpPr>
         <p:spPr>
           <a:xfrm>
-            <a:off x="720011" y="1343873"/>
-            <a:ext cx="12960192" cy="3800971"/>
+            <a:off x="720011" y="2435864"/>
+            <a:ext cx="12960192" cy="6889522"/>
           </a:xfrm>
           <a:prstGeom prst="rect">
             <a:avLst/>
@@ -3160,8 +3160,8 @@
         </p:nvSpPr>
         <p:spPr>
           <a:xfrm>
-            <a:off x="720011" y="5338159"/>
-            <a:ext cx="3360050" cy="306637"/>
+            <a:off x="720011" y="9675783"/>
+            <a:ext cx="3360050" cy="555800"/>
           </a:xfrm>
           <a:prstGeom prst="rect">
             <a:avLst/>
@@ -3183,7 +3183,7 @@
           <a:p>
             <a:fld id="{07CFCC3F-9C50-4357-A512-F047B52B42A6}" type="datetimeFigureOut">
               <a:rPr lang="en-US" smtClean="0"/>
-              <a:t>10/21/17</a:t>
+              <a:t>5/12/18</a:t>
             </a:fld>
             <a:endParaRPr lang="en-US"/>
           </a:p>
@@ -3201,8 +3201,8 @@
         </p:nvSpPr>
         <p:spPr>
           <a:xfrm>
-            <a:off x="4920074" y="5338159"/>
-            <a:ext cx="4560067" cy="306637"/>
+            <a:off x="4920074" y="9675783"/>
+            <a:ext cx="4560067" cy="555800"/>
           </a:xfrm>
           <a:prstGeom prst="rect">
             <a:avLst/>
@@ -3238,8 +3238,8 @@
         </p:nvSpPr>
         <p:spPr>
           <a:xfrm>
-            <a:off x="10320153" y="5338159"/>
-            <a:ext cx="3360050" cy="306637"/>
+            <a:off x="10320153" y="9675783"/>
+            <a:ext cx="3360050" cy="555800"/>
           </a:xfrm>
           <a:prstGeom prst="rect">
             <a:avLst/>
@@ -3558,69 +3558,9 @@
           <a:chExt cx="0" cy="0"/>
         </a:xfrm>
       </p:grpSpPr>
-      <p:sp>
-        <p:nvSpPr>
-          <p:cNvPr id="2" name="TextBox 1"/>
-          <p:cNvSpPr txBox="1"/>
-          <p:nvPr/>
-        </p:nvSpPr>
-        <p:spPr>
-          <a:xfrm>
-            <a:off x="2780506" y="-139622"/>
-            <a:ext cx="2310697" cy="846386"/>
-          </a:xfrm>
-          <a:prstGeom prst="rect">
-            <a:avLst/>
-          </a:prstGeom>
-          <a:noFill/>
-        </p:spPr>
-        <p:txBody>
-          <a:bodyPr wrap="none" rtlCol="0">
-            <a:spAutoFit/>
-          </a:bodyPr>
-          <a:lstStyle/>
-          <a:p>
-            <a:r>
-              <a:rPr lang="en-US" dirty="0" smtClean="0"/>
-              <a:t>SDprox1</a:t>
-            </a:r>
-            <a:endParaRPr lang="en-US" dirty="0"/>
-          </a:p>
-        </p:txBody>
-      </p:sp>
-      <p:sp>
-        <p:nvSpPr>
-          <p:cNvPr id="9" name="TextBox 8"/>
-          <p:cNvSpPr txBox="1"/>
-          <p:nvPr/>
-        </p:nvSpPr>
-        <p:spPr>
-          <a:xfrm>
-            <a:off x="10019506" y="-139622"/>
-            <a:ext cx="2310697" cy="846386"/>
-          </a:xfrm>
-          <a:prstGeom prst="rect">
-            <a:avLst/>
-          </a:prstGeom>
-          <a:noFill/>
-        </p:spPr>
-        <p:txBody>
-          <a:bodyPr wrap="none" rtlCol="0">
-            <a:spAutoFit/>
-          </a:bodyPr>
-          <a:lstStyle/>
-          <a:p>
-            <a:r>
-              <a:rPr lang="en-US" smtClean="0"/>
-              <a:t>SDprox2</a:t>
-            </a:r>
-            <a:endParaRPr lang="en-US"/>
-          </a:p>
-        </p:txBody>
-      </p:sp>
       <p:pic>
         <p:nvPicPr>
-          <p:cNvPr id="8" name="Picture 7"/>
+          <p:cNvPr id="25" name="Picture 24"/>
           <p:cNvPicPr>
             <a:picLocks noChangeAspect="1"/>
           </p:cNvPicPr>
@@ -3640,7 +3580,7 @@
         </p:blipFill>
         <p:spPr>
           <a:xfrm>
-            <a:off x="403962" y="593725"/>
+            <a:off x="265906" y="5448215"/>
             <a:ext cx="6553200" cy="4979979"/>
           </a:xfrm>
           <a:prstGeom prst="rect">
@@ -3650,7 +3590,7 @@
       </p:pic>
       <p:pic>
         <p:nvPicPr>
-          <p:cNvPr id="10" name="Picture 9"/>
+          <p:cNvPr id="26" name="Picture 25"/>
           <p:cNvPicPr>
             <a:picLocks noChangeAspect="1"/>
           </p:cNvPicPr>
@@ -3670,7 +3610,7 @@
         </p:blipFill>
         <p:spPr>
           <a:xfrm>
-            <a:off x="7338162" y="593725"/>
+            <a:off x="7200106" y="5448215"/>
             <a:ext cx="6643744" cy="4979979"/>
           </a:xfrm>
           <a:prstGeom prst="rect">
@@ -3678,87 +3618,15 @@
           </a:prstGeom>
         </p:spPr>
       </p:pic>
-      <p:cxnSp>
-        <p:nvCxnSpPr>
-          <p:cNvPr id="12" name="Straight Arrow Connector 11"/>
-          <p:cNvCxnSpPr/>
+      <p:sp>
+        <p:nvSpPr>
+          <p:cNvPr id="27" name="Rectangle 26"/>
+          <p:cNvSpPr/>
           <p:nvPr/>
-        </p:nvCxnSpPr>
+        </p:nvSpPr>
         <p:spPr>
           <a:xfrm>
-            <a:off x="3999706" y="822325"/>
-            <a:ext cx="0" cy="457200"/>
-          </a:xfrm>
-          <a:prstGeom prst="straightConnector1">
-            <a:avLst/>
-          </a:prstGeom>
-          <a:ln w="38100">
-            <a:solidFill>
-              <a:srgbClr val="FF0000"/>
-            </a:solidFill>
-            <a:tailEnd type="triangle"/>
-          </a:ln>
-        </p:spPr>
-        <p:style>
-          <a:lnRef idx="1">
-            <a:schemeClr val="accent1"/>
-          </a:lnRef>
-          <a:fillRef idx="0">
-            <a:schemeClr val="accent1"/>
-          </a:fillRef>
-          <a:effectRef idx="0">
-            <a:schemeClr val="accent1"/>
-          </a:effectRef>
-          <a:fontRef idx="minor">
-            <a:schemeClr val="tx1"/>
-          </a:fontRef>
-        </p:style>
-      </p:cxnSp>
-      <p:cxnSp>
-        <p:nvCxnSpPr>
-          <p:cNvPr id="15" name="Straight Arrow Connector 14"/>
-          <p:cNvCxnSpPr/>
-          <p:nvPr/>
-        </p:nvCxnSpPr>
-        <p:spPr>
-          <a:xfrm>
-            <a:off x="11086306" y="898525"/>
-            <a:ext cx="0" cy="457200"/>
-          </a:xfrm>
-          <a:prstGeom prst="straightConnector1">
-            <a:avLst/>
-          </a:prstGeom>
-          <a:ln w="38100">
-            <a:solidFill>
-              <a:srgbClr val="FF0000"/>
-            </a:solidFill>
-            <a:tailEnd type="triangle"/>
-          </a:ln>
-        </p:spPr>
-        <p:style>
-          <a:lnRef idx="1">
-            <a:schemeClr val="accent1"/>
-          </a:lnRef>
-          <a:fillRef idx="0">
-            <a:schemeClr val="accent1"/>
-          </a:fillRef>
-          <a:effectRef idx="0">
-            <a:schemeClr val="accent1"/>
-          </a:effectRef>
-          <a:fontRef idx="minor">
-            <a:schemeClr val="tx1"/>
-          </a:fontRef>
-        </p:style>
-      </p:cxnSp>
-      <p:sp>
-        <p:nvSpPr>
-          <p:cNvPr id="11" name="Rectangle 10"/>
-          <p:cNvSpPr/>
-          <p:nvPr/>
-        </p:nvSpPr>
-        <p:spPr>
-          <a:xfrm>
-            <a:off x="342106" y="3489325"/>
+            <a:off x="204050" y="8343815"/>
             <a:ext cx="381000" cy="533400"/>
           </a:xfrm>
           <a:prstGeom prst="rect">
@@ -3800,14 +3668,566 @@
       </p:sp>
       <p:sp>
         <p:nvSpPr>
-          <p:cNvPr id="13" name="Rectangle 12"/>
+          <p:cNvPr id="28" name="Rectangle 27"/>
           <p:cNvSpPr/>
           <p:nvPr/>
         </p:nvSpPr>
         <p:spPr>
           <a:xfrm>
-            <a:off x="7352506" y="3489325"/>
+            <a:off x="7214450" y="8343815"/>
             <a:ext cx="381000" cy="533400"/>
+          </a:xfrm>
+          <a:prstGeom prst="rect">
+            <a:avLst/>
+          </a:prstGeom>
+          <a:solidFill>
+            <a:schemeClr val="bg1"/>
+          </a:solidFill>
+          <a:ln>
+            <a:solidFill>
+              <a:schemeClr val="bg1"/>
+            </a:solidFill>
+          </a:ln>
+        </p:spPr>
+        <p:style>
+          <a:lnRef idx="2">
+            <a:schemeClr val="accent1">
+              <a:shade val="50000"/>
+            </a:schemeClr>
+          </a:lnRef>
+          <a:fillRef idx="1">
+            <a:schemeClr val="accent1"/>
+          </a:fillRef>
+          <a:effectRef idx="0">
+            <a:schemeClr val="accent1"/>
+          </a:effectRef>
+          <a:fontRef idx="minor">
+            <a:schemeClr val="lt1"/>
+          </a:fontRef>
+        </p:style>
+        <p:txBody>
+          <a:bodyPr rtlCol="0" anchor="ctr"/>
+          <a:lstStyle/>
+          <a:p>
+            <a:pPr algn="ctr"/>
+            <a:endParaRPr lang="en-US"/>
+          </a:p>
+        </p:txBody>
+      </p:sp>
+      <p:cxnSp>
+        <p:nvCxnSpPr>
+          <p:cNvPr id="29" name="Straight Connector 28"/>
+          <p:cNvCxnSpPr/>
+          <p:nvPr/>
+        </p:nvCxnSpPr>
+        <p:spPr>
+          <a:xfrm>
+            <a:off x="3861650" y="5676815"/>
+            <a:ext cx="7505" cy="4053392"/>
+          </a:xfrm>
+          <a:prstGeom prst="line">
+            <a:avLst/>
+          </a:prstGeom>
+          <a:ln w="38100">
+            <a:solidFill>
+              <a:srgbClr val="FF0000"/>
+            </a:solidFill>
+            <a:prstDash val="dash"/>
+          </a:ln>
+        </p:spPr>
+        <p:style>
+          <a:lnRef idx="1">
+            <a:schemeClr val="accent1"/>
+          </a:lnRef>
+          <a:fillRef idx="0">
+            <a:schemeClr val="accent1"/>
+          </a:fillRef>
+          <a:effectRef idx="0">
+            <a:schemeClr val="accent1"/>
+          </a:effectRef>
+          <a:fontRef idx="minor">
+            <a:schemeClr val="tx1"/>
+          </a:fontRef>
+        </p:style>
+      </p:cxnSp>
+      <p:cxnSp>
+        <p:nvCxnSpPr>
+          <p:cNvPr id="30" name="Straight Connector 29"/>
+          <p:cNvCxnSpPr/>
+          <p:nvPr/>
+        </p:nvCxnSpPr>
+        <p:spPr>
+          <a:xfrm>
+            <a:off x="10877944" y="5676815"/>
+            <a:ext cx="7505" cy="4053392"/>
+          </a:xfrm>
+          <a:prstGeom prst="line">
+            <a:avLst/>
+          </a:prstGeom>
+          <a:ln w="38100">
+            <a:solidFill>
+              <a:srgbClr val="FF0000"/>
+            </a:solidFill>
+            <a:prstDash val="dash"/>
+          </a:ln>
+        </p:spPr>
+        <p:style>
+          <a:lnRef idx="1">
+            <a:schemeClr val="accent1"/>
+          </a:lnRef>
+          <a:fillRef idx="0">
+            <a:schemeClr val="accent1"/>
+          </a:fillRef>
+          <a:effectRef idx="0">
+            <a:schemeClr val="accent1"/>
+          </a:effectRef>
+          <a:fontRef idx="minor">
+            <a:schemeClr val="tx1"/>
+          </a:fontRef>
+        </p:style>
+      </p:cxnSp>
+      <p:pic>
+        <p:nvPicPr>
+          <p:cNvPr id="3" name="Picture 2"/>
+          <p:cNvPicPr>
+            <a:picLocks noChangeAspect="1"/>
+          </p:cNvPicPr>
+          <p:nvPr/>
+        </p:nvPicPr>
+        <p:blipFill>
+          <a:blip r:embed="rId5">
+            <a:extLst>
+              <a:ext uri="{28A0092B-C50C-407E-A947-70E740481C1C}">
+                <a14:useLocalDpi xmlns:a14="http://schemas.microsoft.com/office/drawing/2010/main" val="0"/>
+              </a:ext>
+            </a:extLst>
+          </a:blip>
+          <a:stretch>
+            <a:fillRect/>
+          </a:stretch>
+        </p:blipFill>
+        <p:spPr>
+          <a:xfrm>
+            <a:off x="204050" y="498173"/>
+            <a:ext cx="6615056" cy="4950042"/>
+          </a:xfrm>
+          <a:prstGeom prst="rect">
+            <a:avLst/>
+          </a:prstGeom>
+        </p:spPr>
+      </p:pic>
+      <p:pic>
+        <p:nvPicPr>
+          <p:cNvPr id="4" name="Picture 3"/>
+          <p:cNvPicPr>
+            <a:picLocks noChangeAspect="1"/>
+          </p:cNvPicPr>
+          <p:nvPr/>
+        </p:nvPicPr>
+        <p:blipFill>
+          <a:blip r:embed="rId6">
+            <a:extLst>
+              <a:ext uri="{28A0092B-C50C-407E-A947-70E740481C1C}">
+                <a14:useLocalDpi xmlns:a14="http://schemas.microsoft.com/office/drawing/2010/main" val="0"/>
+              </a:ext>
+            </a:extLst>
+          </a:blip>
+          <a:stretch>
+            <a:fillRect/>
+          </a:stretch>
+        </p:blipFill>
+        <p:spPr>
+          <a:xfrm>
+            <a:off x="7200106" y="476706"/>
+            <a:ext cx="6643744" cy="4971509"/>
+          </a:xfrm>
+          <a:prstGeom prst="rect">
+            <a:avLst/>
+          </a:prstGeom>
+        </p:spPr>
+      </p:pic>
+      <p:sp>
+        <p:nvSpPr>
+          <p:cNvPr id="23" name="TextBox 22"/>
+          <p:cNvSpPr txBox="1"/>
+          <p:nvPr/>
+        </p:nvSpPr>
+        <p:spPr>
+          <a:xfrm>
+            <a:off x="2780506" y="-190500"/>
+            <a:ext cx="2310697" cy="846386"/>
+          </a:xfrm>
+          <a:prstGeom prst="rect">
+            <a:avLst/>
+          </a:prstGeom>
+          <a:noFill/>
+        </p:spPr>
+        <p:txBody>
+          <a:bodyPr wrap="none" rtlCol="0">
+            <a:spAutoFit/>
+          </a:bodyPr>
+          <a:lstStyle/>
+          <a:p>
+            <a:r>
+              <a:rPr lang="en-US" dirty="0" smtClean="0"/>
+              <a:t>SDprox1</a:t>
+            </a:r>
+            <a:endParaRPr lang="en-US" dirty="0"/>
+          </a:p>
+        </p:txBody>
+      </p:sp>
+      <p:sp>
+        <p:nvSpPr>
+          <p:cNvPr id="24" name="TextBox 23"/>
+          <p:cNvSpPr txBox="1"/>
+          <p:nvPr/>
+        </p:nvSpPr>
+        <p:spPr>
+          <a:xfrm>
+            <a:off x="10019506" y="-190500"/>
+            <a:ext cx="2310697" cy="846386"/>
+          </a:xfrm>
+          <a:prstGeom prst="rect">
+            <a:avLst/>
+          </a:prstGeom>
+          <a:noFill/>
+        </p:spPr>
+        <p:txBody>
+          <a:bodyPr wrap="none" rtlCol="0">
+            <a:spAutoFit/>
+          </a:bodyPr>
+          <a:lstStyle/>
+          <a:p>
+            <a:r>
+              <a:rPr lang="en-US" dirty="0" smtClean="0"/>
+              <a:t>SDprox2</a:t>
+            </a:r>
+            <a:endParaRPr lang="en-US" dirty="0"/>
+          </a:p>
+        </p:txBody>
+      </p:sp>
+      <p:sp>
+        <p:nvSpPr>
+          <p:cNvPr id="31" name="Rectangle 30"/>
+          <p:cNvSpPr/>
+          <p:nvPr/>
+        </p:nvSpPr>
+        <p:spPr>
+          <a:xfrm>
+            <a:off x="204050" y="3390900"/>
+            <a:ext cx="381000" cy="533400"/>
+          </a:xfrm>
+          <a:prstGeom prst="rect">
+            <a:avLst/>
+          </a:prstGeom>
+          <a:solidFill>
+            <a:schemeClr val="bg1"/>
+          </a:solidFill>
+          <a:ln>
+            <a:solidFill>
+              <a:schemeClr val="bg1"/>
+            </a:solidFill>
+          </a:ln>
+        </p:spPr>
+        <p:style>
+          <a:lnRef idx="2">
+            <a:schemeClr val="accent1">
+              <a:shade val="50000"/>
+            </a:schemeClr>
+          </a:lnRef>
+          <a:fillRef idx="1">
+            <a:schemeClr val="accent1"/>
+          </a:fillRef>
+          <a:effectRef idx="0">
+            <a:schemeClr val="accent1"/>
+          </a:effectRef>
+          <a:fontRef idx="minor">
+            <a:schemeClr val="lt1"/>
+          </a:fontRef>
+        </p:style>
+        <p:txBody>
+          <a:bodyPr rtlCol="0" anchor="ctr"/>
+          <a:lstStyle/>
+          <a:p>
+            <a:pPr algn="ctr"/>
+            <a:endParaRPr lang="en-US"/>
+          </a:p>
+        </p:txBody>
+      </p:sp>
+      <p:sp>
+        <p:nvSpPr>
+          <p:cNvPr id="32" name="Rectangle 31"/>
+          <p:cNvSpPr/>
+          <p:nvPr/>
+        </p:nvSpPr>
+        <p:spPr>
+          <a:xfrm>
+            <a:off x="7214450" y="3390900"/>
+            <a:ext cx="381000" cy="533400"/>
+          </a:xfrm>
+          <a:prstGeom prst="rect">
+            <a:avLst/>
+          </a:prstGeom>
+          <a:solidFill>
+            <a:schemeClr val="bg1"/>
+          </a:solidFill>
+          <a:ln>
+            <a:solidFill>
+              <a:schemeClr val="bg1"/>
+            </a:solidFill>
+          </a:ln>
+        </p:spPr>
+        <p:style>
+          <a:lnRef idx="2">
+            <a:schemeClr val="accent1">
+              <a:shade val="50000"/>
+            </a:schemeClr>
+          </a:lnRef>
+          <a:fillRef idx="1">
+            <a:schemeClr val="accent1"/>
+          </a:fillRef>
+          <a:effectRef idx="0">
+            <a:schemeClr val="accent1"/>
+          </a:effectRef>
+          <a:fontRef idx="minor">
+            <a:schemeClr val="lt1"/>
+          </a:fontRef>
+        </p:style>
+        <p:txBody>
+          <a:bodyPr rtlCol="0" anchor="ctr"/>
+          <a:lstStyle/>
+          <a:p>
+            <a:pPr algn="ctr"/>
+            <a:endParaRPr lang="en-US"/>
+          </a:p>
+        </p:txBody>
+      </p:sp>
+      <p:cxnSp>
+        <p:nvCxnSpPr>
+          <p:cNvPr id="33" name="Straight Connector 32"/>
+          <p:cNvCxnSpPr/>
+          <p:nvPr/>
+        </p:nvCxnSpPr>
+        <p:spPr>
+          <a:xfrm>
+            <a:off x="3857897" y="723900"/>
+            <a:ext cx="7505" cy="4053392"/>
+          </a:xfrm>
+          <a:prstGeom prst="line">
+            <a:avLst/>
+          </a:prstGeom>
+          <a:ln w="38100">
+            <a:solidFill>
+              <a:srgbClr val="FF0000"/>
+            </a:solidFill>
+            <a:prstDash val="dash"/>
+          </a:ln>
+        </p:spPr>
+        <p:style>
+          <a:lnRef idx="1">
+            <a:schemeClr val="accent1"/>
+          </a:lnRef>
+          <a:fillRef idx="0">
+            <a:schemeClr val="accent1"/>
+          </a:fillRef>
+          <a:effectRef idx="0">
+            <a:schemeClr val="accent1"/>
+          </a:effectRef>
+          <a:fontRef idx="minor">
+            <a:schemeClr val="tx1"/>
+          </a:fontRef>
+        </p:style>
+      </p:cxnSp>
+      <p:cxnSp>
+        <p:nvCxnSpPr>
+          <p:cNvPr id="34" name="Straight Connector 33"/>
+          <p:cNvCxnSpPr/>
+          <p:nvPr/>
+        </p:nvCxnSpPr>
+        <p:spPr>
+          <a:xfrm>
+            <a:off x="10874191" y="723900"/>
+            <a:ext cx="7505" cy="4053392"/>
+          </a:xfrm>
+          <a:prstGeom prst="line">
+            <a:avLst/>
+          </a:prstGeom>
+          <a:ln w="38100">
+            <a:solidFill>
+              <a:srgbClr val="FF0000"/>
+            </a:solidFill>
+            <a:prstDash val="dash"/>
+          </a:ln>
+        </p:spPr>
+        <p:style>
+          <a:lnRef idx="1">
+            <a:schemeClr val="accent1"/>
+          </a:lnRef>
+          <a:fillRef idx="0">
+            <a:schemeClr val="accent1"/>
+          </a:fillRef>
+          <a:effectRef idx="0">
+            <a:schemeClr val="accent1"/>
+          </a:effectRef>
+          <a:fontRef idx="minor">
+            <a:schemeClr val="tx1"/>
+          </a:fontRef>
+        </p:style>
+      </p:cxnSp>
+      <p:sp>
+        <p:nvSpPr>
+          <p:cNvPr id="2" name="Rectangle 1"/>
+          <p:cNvSpPr/>
+          <p:nvPr/>
+        </p:nvSpPr>
+        <p:spPr>
+          <a:xfrm>
+            <a:off x="4456906" y="723900"/>
+            <a:ext cx="2133600" cy="457200"/>
+          </a:xfrm>
+          <a:prstGeom prst="rect">
+            <a:avLst/>
+          </a:prstGeom>
+          <a:solidFill>
+            <a:schemeClr val="bg1"/>
+          </a:solidFill>
+          <a:ln>
+            <a:solidFill>
+              <a:schemeClr val="bg1"/>
+            </a:solidFill>
+          </a:ln>
+        </p:spPr>
+        <p:style>
+          <a:lnRef idx="2">
+            <a:schemeClr val="accent1">
+              <a:shade val="50000"/>
+            </a:schemeClr>
+          </a:lnRef>
+          <a:fillRef idx="1">
+            <a:schemeClr val="accent1"/>
+          </a:fillRef>
+          <a:effectRef idx="0">
+            <a:schemeClr val="accent1"/>
+          </a:effectRef>
+          <a:fontRef idx="minor">
+            <a:schemeClr val="lt1"/>
+          </a:fontRef>
+        </p:style>
+        <p:txBody>
+          <a:bodyPr rtlCol="0" anchor="ctr"/>
+          <a:lstStyle/>
+          <a:p>
+            <a:pPr algn="ctr"/>
+            <a:endParaRPr lang="en-US"/>
+          </a:p>
+        </p:txBody>
+      </p:sp>
+      <p:sp>
+        <p:nvSpPr>
+          <p:cNvPr id="17" name="Rectangle 16"/>
+          <p:cNvSpPr/>
+          <p:nvPr/>
+        </p:nvSpPr>
+        <p:spPr>
+          <a:xfrm>
+            <a:off x="11532966" y="655886"/>
+            <a:ext cx="2133600" cy="457200"/>
+          </a:xfrm>
+          <a:prstGeom prst="rect">
+            <a:avLst/>
+          </a:prstGeom>
+          <a:solidFill>
+            <a:schemeClr val="bg1"/>
+          </a:solidFill>
+          <a:ln>
+            <a:solidFill>
+              <a:schemeClr val="bg1"/>
+            </a:solidFill>
+          </a:ln>
+        </p:spPr>
+        <p:style>
+          <a:lnRef idx="2">
+            <a:schemeClr val="accent1">
+              <a:shade val="50000"/>
+            </a:schemeClr>
+          </a:lnRef>
+          <a:fillRef idx="1">
+            <a:schemeClr val="accent1"/>
+          </a:fillRef>
+          <a:effectRef idx="0">
+            <a:schemeClr val="accent1"/>
+          </a:effectRef>
+          <a:fontRef idx="minor">
+            <a:schemeClr val="lt1"/>
+          </a:fontRef>
+        </p:style>
+        <p:txBody>
+          <a:bodyPr rtlCol="0" anchor="ctr"/>
+          <a:lstStyle/>
+          <a:p>
+            <a:pPr algn="ctr"/>
+            <a:endParaRPr lang="en-US"/>
+          </a:p>
+        </p:txBody>
+      </p:sp>
+      <p:sp>
+        <p:nvSpPr>
+          <p:cNvPr id="18" name="Rectangle 17"/>
+          <p:cNvSpPr/>
+          <p:nvPr/>
+        </p:nvSpPr>
+        <p:spPr>
+          <a:xfrm>
+            <a:off x="4456906" y="5661938"/>
+            <a:ext cx="2133600" cy="457200"/>
+          </a:xfrm>
+          <a:prstGeom prst="rect">
+            <a:avLst/>
+          </a:prstGeom>
+          <a:solidFill>
+            <a:schemeClr val="bg1"/>
+          </a:solidFill>
+          <a:ln>
+            <a:solidFill>
+              <a:schemeClr val="bg1"/>
+            </a:solidFill>
+          </a:ln>
+        </p:spPr>
+        <p:style>
+          <a:lnRef idx="2">
+            <a:schemeClr val="accent1">
+              <a:shade val="50000"/>
+            </a:schemeClr>
+          </a:lnRef>
+          <a:fillRef idx="1">
+            <a:schemeClr val="accent1"/>
+          </a:fillRef>
+          <a:effectRef idx="0">
+            <a:schemeClr val="accent1"/>
+          </a:effectRef>
+          <a:fontRef idx="minor">
+            <a:schemeClr val="lt1"/>
+          </a:fontRef>
+        </p:style>
+        <p:txBody>
+          <a:bodyPr rtlCol="0" anchor="ctr"/>
+          <a:lstStyle/>
+          <a:p>
+            <a:pPr algn="ctr"/>
+            <a:endParaRPr lang="en-US"/>
+          </a:p>
+        </p:txBody>
+      </p:sp>
+      <p:sp>
+        <p:nvSpPr>
+          <p:cNvPr id="19" name="Rectangle 18"/>
+          <p:cNvSpPr/>
+          <p:nvPr/>
+        </p:nvSpPr>
+        <p:spPr>
+          <a:xfrm>
+            <a:off x="11532966" y="5658221"/>
+            <a:ext cx="2133600" cy="457200"/>
           </a:xfrm>
           <a:prstGeom prst="rect">
             <a:avLst/>
